--- a/13组-婚礼系统演示PPT.pptx
+++ b/13组-婚礼系统演示PPT.pptx
@@ -3712,7 +3712,7 @@
                   <a:srgbClr val="C00000"/>
                 </a:solidFill>
               </a:rPr>
-              <a:t>项目名称</a:t>
+              <a:t>婚庆系统</a:t>
             </a:r>
             <a:endParaRPr lang="en-IN" dirty="0">
               <a:solidFill>
@@ -3764,7 +3764,7 @@
             </a:pPr>
             <a:r>
               <a:rPr lang="zh-CN" altLang="en-US" sz="2000" dirty="0"/>
-              <a:t>成员：黄丙建</a:t>
+              <a:t>成员：王冬豪</a:t>
             </a:r>
             <a:endParaRPr lang="en-US" altLang="zh-CN" sz="2000" dirty="0"/>
           </a:p>
@@ -3776,28 +3776,8 @@
             </a:pPr>
             <a:r>
               <a:rPr lang="zh-CN" altLang="en-US" sz="2000" dirty="0"/>
-              <a:t>成员：张全发</a:t>
-            </a:r>
-            <a:endParaRPr lang="en-US" altLang="zh-CN" sz="2000" dirty="0"/>
-          </a:p>
-          <a:p>
-            <a:pPr>
-              <a:spcBef>
-                <a:spcPts val="0"/>
-              </a:spcBef>
-            </a:pPr>
-            <a:r>
-              <a:rPr lang="zh-CN" altLang="en-US" sz="2000" dirty="0"/>
-              <a:t>成员：张浩宇</a:t>
-            </a:r>
-            <a:endParaRPr lang="en-US" altLang="zh-CN" sz="2000" dirty="0"/>
-          </a:p>
-          <a:p>
-            <a:pPr>
-              <a:spcBef>
-                <a:spcPts val="0"/>
-              </a:spcBef>
-            </a:pPr>
+              <a:t>成员：黄楷文</a:t>
+            </a:r>
             <a:endParaRPr lang="en-US" altLang="zh-CN" dirty="0"/>
           </a:p>
         </p:txBody>
@@ -4059,9 +4039,10 @@
               </a:spcBef>
             </a:pPr>
             <a:r>
-              <a:rPr lang="en-IN" sz="2000" dirty="0"/>
-              <a:t>JSF</a:t>
-            </a:r>
+              <a:rPr lang="en-US" altLang="zh-CN" dirty="0" err="1"/>
+              <a:t>Layui</a:t>
+            </a:r>
+            <a:endParaRPr lang="en-US" altLang="zh-CN" dirty="0"/>
           </a:p>
           <a:p>
             <a:pPr algn="l">
@@ -4070,9 +4051,10 @@
               </a:spcBef>
             </a:pPr>
             <a:r>
-              <a:rPr lang="en-IN" sz="2000" dirty="0"/>
-              <a:t>HIBERNATE</a:t>
-            </a:r>
+              <a:rPr lang="en-US" altLang="zh-CN"/>
+              <a:t>Dbutils</a:t>
+            </a:r>
+            <a:endParaRPr lang="en-US" altLang="zh-CN" dirty="0"/>
           </a:p>
           <a:p>
             <a:pPr algn="l">
@@ -4081,9 +4063,10 @@
               </a:spcBef>
             </a:pPr>
             <a:r>
-              <a:rPr lang="en-IN" sz="2000" dirty="0"/>
-              <a:t> SQL SERVER</a:t>
-            </a:r>
+              <a:rPr lang="en-US" altLang="zh-CN" dirty="0"/>
+              <a:t>Servlet</a:t>
+            </a:r>
+            <a:endParaRPr lang="en-IN" dirty="0"/>
           </a:p>
           <a:p>
             <a:pPr algn="l">
@@ -4099,26 +4082,6 @@
                 <a:spcPts val="0"/>
               </a:spcBef>
             </a:pPr>
-            <a:endParaRPr lang="en-IN" dirty="0"/>
-          </a:p>
-          <a:p>
-            <a:pPr algn="l">
-              <a:spcBef>
-                <a:spcPts val="0"/>
-              </a:spcBef>
-            </a:pPr>
-            <a:r>
-              <a:rPr lang="zh-CN" altLang="en-US" dirty="0"/>
-              <a:t>第</a:t>
-            </a:r>
-            <a:r>
-              <a:rPr lang="en-IN" dirty="0"/>
-              <a:t> 5</a:t>
-            </a:r>
-            <a:r>
-              <a:rPr lang="zh-CN" altLang="en-US" dirty="0"/>
-              <a:t>学期</a:t>
-            </a:r>
             <a:endParaRPr lang="en-IN" dirty="0"/>
           </a:p>
         </p:txBody>
